--- a/06-ppt/discussion/0424.pptx
+++ b/06-ppt/discussion/0424.pptx
@@ -275,7 +275,7 @@
           <a:p>
             <a:fld id="{DFD4258F-E713-460C-B948-CD94063FBAA0}" type="datetimeFigureOut">
               <a:rPr lang="zh-CN" altLang="en-US" smtClean="0"/>
-              <a:t>2024/4/22</a:t>
+              <a:t>2024/4/24</a:t>
             </a:fld>
             <a:endParaRPr lang="zh-CN" altLang="en-US"/>
           </a:p>
@@ -473,7 +473,7 @@
           <a:p>
             <a:fld id="{DFD4258F-E713-460C-B948-CD94063FBAA0}" type="datetimeFigureOut">
               <a:rPr lang="zh-CN" altLang="en-US" smtClean="0"/>
-              <a:t>2024/4/22</a:t>
+              <a:t>2024/4/24</a:t>
             </a:fld>
             <a:endParaRPr lang="zh-CN" altLang="en-US"/>
           </a:p>
@@ -681,7 +681,7 @@
           <a:p>
             <a:fld id="{DFD4258F-E713-460C-B948-CD94063FBAA0}" type="datetimeFigureOut">
               <a:rPr lang="zh-CN" altLang="en-US" smtClean="0"/>
-              <a:t>2024/4/22</a:t>
+              <a:t>2024/4/24</a:t>
             </a:fld>
             <a:endParaRPr lang="zh-CN" altLang="en-US"/>
           </a:p>
@@ -879,7 +879,7 @@
           <a:p>
             <a:fld id="{DFD4258F-E713-460C-B948-CD94063FBAA0}" type="datetimeFigureOut">
               <a:rPr lang="zh-CN" altLang="en-US" smtClean="0"/>
-              <a:t>2024/4/22</a:t>
+              <a:t>2024/4/24</a:t>
             </a:fld>
             <a:endParaRPr lang="zh-CN" altLang="en-US"/>
           </a:p>
@@ -1154,7 +1154,7 @@
           <a:p>
             <a:fld id="{DFD4258F-E713-460C-B948-CD94063FBAA0}" type="datetimeFigureOut">
               <a:rPr lang="zh-CN" altLang="en-US" smtClean="0"/>
-              <a:t>2024/4/22</a:t>
+              <a:t>2024/4/24</a:t>
             </a:fld>
             <a:endParaRPr lang="zh-CN" altLang="en-US"/>
           </a:p>
@@ -1419,7 +1419,7 @@
           <a:p>
             <a:fld id="{DFD4258F-E713-460C-B948-CD94063FBAA0}" type="datetimeFigureOut">
               <a:rPr lang="zh-CN" altLang="en-US" smtClean="0"/>
-              <a:t>2024/4/22</a:t>
+              <a:t>2024/4/24</a:t>
             </a:fld>
             <a:endParaRPr lang="zh-CN" altLang="en-US"/>
           </a:p>
@@ -1831,7 +1831,7 @@
           <a:p>
             <a:fld id="{DFD4258F-E713-460C-B948-CD94063FBAA0}" type="datetimeFigureOut">
               <a:rPr lang="zh-CN" altLang="en-US" smtClean="0"/>
-              <a:t>2024/4/22</a:t>
+              <a:t>2024/4/24</a:t>
             </a:fld>
             <a:endParaRPr lang="zh-CN" altLang="en-US"/>
           </a:p>
@@ -1972,7 +1972,7 @@
           <a:p>
             <a:fld id="{DFD4258F-E713-460C-B948-CD94063FBAA0}" type="datetimeFigureOut">
               <a:rPr lang="zh-CN" altLang="en-US" smtClean="0"/>
-              <a:t>2024/4/22</a:t>
+              <a:t>2024/4/24</a:t>
             </a:fld>
             <a:endParaRPr lang="zh-CN" altLang="en-US"/>
           </a:p>
@@ -2085,7 +2085,7 @@
           <a:p>
             <a:fld id="{DFD4258F-E713-460C-B948-CD94063FBAA0}" type="datetimeFigureOut">
               <a:rPr lang="zh-CN" altLang="en-US" smtClean="0"/>
-              <a:t>2024/4/22</a:t>
+              <a:t>2024/4/24</a:t>
             </a:fld>
             <a:endParaRPr lang="zh-CN" altLang="en-US"/>
           </a:p>
@@ -2396,7 +2396,7 @@
           <a:p>
             <a:fld id="{DFD4258F-E713-460C-B948-CD94063FBAA0}" type="datetimeFigureOut">
               <a:rPr lang="zh-CN" altLang="en-US" smtClean="0"/>
-              <a:t>2024/4/22</a:t>
+              <a:t>2024/4/24</a:t>
             </a:fld>
             <a:endParaRPr lang="zh-CN" altLang="en-US"/>
           </a:p>
@@ -2684,7 +2684,7 @@
           <a:p>
             <a:fld id="{DFD4258F-E713-460C-B948-CD94063FBAA0}" type="datetimeFigureOut">
               <a:rPr lang="zh-CN" altLang="en-US" smtClean="0"/>
-              <a:t>2024/4/22</a:t>
+              <a:t>2024/4/24</a:t>
             </a:fld>
             <a:endParaRPr lang="zh-CN" altLang="en-US"/>
           </a:p>
@@ -2925,7 +2925,7 @@
           <a:p>
             <a:fld id="{DFD4258F-E713-460C-B948-CD94063FBAA0}" type="datetimeFigureOut">
               <a:rPr lang="zh-CN" altLang="en-US" smtClean="0"/>
-              <a:t>2024/4/22</a:t>
+              <a:t>2024/4/24</a:t>
             </a:fld>
             <a:endParaRPr lang="zh-CN" altLang="en-US"/>
           </a:p>
@@ -3651,13 +3651,12 @@
             <a:endParaRPr lang="en-US" altLang="zh-CN" sz="3200" dirty="0"/>
           </a:p>
           <a:p>
-            <a:pPr marL="514350" indent="-514350">
-              <a:buFont typeface="+mj-lt"/>
-              <a:buAutoNum type="arabicPeriod"/>
+            <a:pPr marL="0" indent="0">
+              <a:buNone/>
             </a:pPr>
             <a:r>
               <a:rPr lang="en-US" altLang="zh-CN" sz="2400" dirty="0"/>
-              <a:t>Consider turning the [2] into a TT chain, need to consider the situation of TSN.</a:t>
+              <a:t>Consider turning the [2] into a TT chain, need to consider:</a:t>
             </a:r>
           </a:p>
           <a:p>
@@ -3719,7 +3718,7 @@
             <a:pPr lvl="2"/>
             <a:r>
               <a:rPr lang="en-US" altLang="zh-CN" sz="1800" dirty="0"/>
-              <a:t>QBV should be, but others have done end-to-end analysis, we can test jitter</a:t>
+              <a:t>QBV should be, but others have done end-to-end analysis, we can try “jitter”</a:t>
             </a:r>
           </a:p>
           <a:p>
@@ -3732,7 +3731,7 @@
           <a:p>
             <a:pPr lvl="1"/>
             <a:r>
-              <a:rPr lang="en-US" altLang="zh-CN" sz="1800" dirty="0"/>
+              <a:rPr lang="en-US" altLang="zh-CN" sz="1800" b="1" dirty="0"/>
               <a:t>If not, how to combine them</a:t>
             </a:r>
           </a:p>
@@ -4323,8 +4322,8 @@
         </p:nvSpPr>
         <p:spPr>
           <a:xfrm>
-            <a:off x="64477" y="1253331"/>
-            <a:ext cx="10515600" cy="4351338"/>
+            <a:off x="0" y="939739"/>
+            <a:ext cx="10515600" cy="2720792"/>
           </a:xfrm>
         </p:spPr>
         <p:txBody>
@@ -4398,24 +4397,6 @@
               <a:t>     (zero jitter paper is measured by period )</a:t>
             </a:r>
           </a:p>
-          <a:p>
-            <a:pPr marL="0" indent="0">
-              <a:buNone/>
-            </a:pPr>
-            <a:r>
-              <a:rPr lang="en-US" altLang="zh-CN" sz="2000" dirty="0"/>
-              <a:t>	</a:t>
-            </a:r>
-          </a:p>
-          <a:p>
-            <a:pPr marL="0" indent="0">
-              <a:buNone/>
-            </a:pPr>
-            <a:r>
-              <a:rPr lang="en-US" altLang="zh-CN" sz="2000" b="1" dirty="0"/>
-              <a:t>……</a:t>
-            </a:r>
-          </a:p>
         </p:txBody>
       </p:sp>
       <p:sp>
@@ -4451,6 +4432,280 @@
               <a:t>Points to think about</a:t>
             </a:r>
             <a:endParaRPr lang="zh-CN" altLang="en-US" sz="4000" dirty="0"/>
+          </a:p>
+        </p:txBody>
+      </p:sp>
+      <p:sp>
+        <p:nvSpPr>
+          <p:cNvPr id="4" name="标题 1">
+            <a:extLst>
+              <a:ext uri="{FF2B5EF4-FFF2-40B4-BE49-F238E27FC236}">
+                <a16:creationId xmlns:a16="http://schemas.microsoft.com/office/drawing/2014/main" id="{5A93AF21-87C3-071A-1BC3-EBDB767C450A}"/>
+              </a:ext>
+            </a:extLst>
+          </p:cNvPr>
+          <p:cNvSpPr txBox="1">
+            <a:spLocks/>
+          </p:cNvSpPr>
+          <p:nvPr/>
+        </p:nvSpPr>
+        <p:spPr>
+          <a:xfrm>
+            <a:off x="0" y="3660531"/>
+            <a:ext cx="10515600" cy="1025769"/>
+          </a:xfrm>
+          <a:prstGeom prst="rect">
+            <a:avLst/>
+          </a:prstGeom>
+        </p:spPr>
+        <p:txBody>
+          <a:bodyPr vert="horz" lIns="91440" tIns="45720" rIns="91440" bIns="45720" rtlCol="0" anchor="ctr">
+            <a:normAutofit/>
+          </a:bodyPr>
+          <a:lstStyle>
+            <a:lvl1pPr algn="l" defTabSz="914400" rtl="0" eaLnBrk="1" latinLnBrk="0" hangingPunct="1">
+              <a:lnSpc>
+                <a:spcPct val="90000"/>
+              </a:lnSpc>
+              <a:spcBef>
+                <a:spcPct val="0"/>
+              </a:spcBef>
+              <a:buNone/>
+              <a:defRPr sz="4400" kern="1200">
+                <a:solidFill>
+                  <a:schemeClr val="tx1"/>
+                </a:solidFill>
+                <a:latin typeface="+mj-lt"/>
+                <a:ea typeface="+mj-ea"/>
+                <a:cs typeface="+mj-cs"/>
+              </a:defRPr>
+            </a:lvl1pPr>
+          </a:lstStyle>
+          <a:p>
+            <a:r>
+              <a:rPr lang="en-US" altLang="zh-CN" sz="4000" dirty="0"/>
+              <a:t>continue</a:t>
+            </a:r>
+            <a:endParaRPr lang="zh-CN" altLang="en-US" sz="4000" dirty="0"/>
+          </a:p>
+        </p:txBody>
+      </p:sp>
+      <p:sp>
+        <p:nvSpPr>
+          <p:cNvPr id="5" name="内容占位符 2">
+            <a:extLst>
+              <a:ext uri="{FF2B5EF4-FFF2-40B4-BE49-F238E27FC236}">
+                <a16:creationId xmlns:a16="http://schemas.microsoft.com/office/drawing/2014/main" id="{63027FD5-7AE2-705F-37D3-DAB937B1FB21}"/>
+              </a:ext>
+            </a:extLst>
+          </p:cNvPr>
+          <p:cNvSpPr txBox="1">
+            <a:spLocks/>
+          </p:cNvSpPr>
+          <p:nvPr/>
+        </p:nvSpPr>
+        <p:spPr>
+          <a:xfrm>
+            <a:off x="0" y="4570443"/>
+            <a:ext cx="10515600" cy="1830357"/>
+          </a:xfrm>
+          <a:prstGeom prst="rect">
+            <a:avLst/>
+          </a:prstGeom>
+        </p:spPr>
+        <p:txBody>
+          <a:bodyPr vert="horz" lIns="91440" tIns="45720" rIns="91440" bIns="45720" rtlCol="0">
+            <a:normAutofit/>
+          </a:bodyPr>
+          <a:lstStyle>
+            <a:lvl1pPr marL="228600" indent="-228600" algn="l" defTabSz="914400" rtl="0" eaLnBrk="1" latinLnBrk="0" hangingPunct="1">
+              <a:lnSpc>
+                <a:spcPct val="90000"/>
+              </a:lnSpc>
+              <a:spcBef>
+                <a:spcPts val="1000"/>
+              </a:spcBef>
+              <a:buFont typeface="Arial" panose="020B0604020202020204" pitchFamily="34" charset="0"/>
+              <a:buChar char="•"/>
+              <a:defRPr sz="2800" kern="1200">
+                <a:solidFill>
+                  <a:schemeClr val="tx1"/>
+                </a:solidFill>
+                <a:latin typeface="+mn-lt"/>
+                <a:ea typeface="+mn-ea"/>
+                <a:cs typeface="+mn-cs"/>
+              </a:defRPr>
+            </a:lvl1pPr>
+            <a:lvl2pPr marL="685800" indent="-228600" algn="l" defTabSz="914400" rtl="0" eaLnBrk="1" latinLnBrk="0" hangingPunct="1">
+              <a:lnSpc>
+                <a:spcPct val="90000"/>
+              </a:lnSpc>
+              <a:spcBef>
+                <a:spcPts val="500"/>
+              </a:spcBef>
+              <a:buFont typeface="Arial" panose="020B0604020202020204" pitchFamily="34" charset="0"/>
+              <a:buChar char="•"/>
+              <a:defRPr sz="2400" kern="1200">
+                <a:solidFill>
+                  <a:schemeClr val="tx1"/>
+                </a:solidFill>
+                <a:latin typeface="+mn-lt"/>
+                <a:ea typeface="+mn-ea"/>
+                <a:cs typeface="+mn-cs"/>
+              </a:defRPr>
+            </a:lvl2pPr>
+            <a:lvl3pPr marL="1143000" indent="-228600" algn="l" defTabSz="914400" rtl="0" eaLnBrk="1" latinLnBrk="0" hangingPunct="1">
+              <a:lnSpc>
+                <a:spcPct val="90000"/>
+              </a:lnSpc>
+              <a:spcBef>
+                <a:spcPts val="500"/>
+              </a:spcBef>
+              <a:buFont typeface="Arial" panose="020B0604020202020204" pitchFamily="34" charset="0"/>
+              <a:buChar char="•"/>
+              <a:defRPr sz="2000" kern="1200">
+                <a:solidFill>
+                  <a:schemeClr val="tx1"/>
+                </a:solidFill>
+                <a:latin typeface="+mn-lt"/>
+                <a:ea typeface="+mn-ea"/>
+                <a:cs typeface="+mn-cs"/>
+              </a:defRPr>
+            </a:lvl3pPr>
+            <a:lvl4pPr marL="1600200" indent="-228600" algn="l" defTabSz="914400" rtl="0" eaLnBrk="1" latinLnBrk="0" hangingPunct="1">
+              <a:lnSpc>
+                <a:spcPct val="90000"/>
+              </a:lnSpc>
+              <a:spcBef>
+                <a:spcPts val="500"/>
+              </a:spcBef>
+              <a:buFont typeface="Arial" panose="020B0604020202020204" pitchFamily="34" charset="0"/>
+              <a:buChar char="•"/>
+              <a:defRPr sz="1800" kern="1200">
+                <a:solidFill>
+                  <a:schemeClr val="tx1"/>
+                </a:solidFill>
+                <a:latin typeface="+mn-lt"/>
+                <a:ea typeface="+mn-ea"/>
+                <a:cs typeface="+mn-cs"/>
+              </a:defRPr>
+            </a:lvl4pPr>
+            <a:lvl5pPr marL="2057400" indent="-228600" algn="l" defTabSz="914400" rtl="0" eaLnBrk="1" latinLnBrk="0" hangingPunct="1">
+              <a:lnSpc>
+                <a:spcPct val="90000"/>
+              </a:lnSpc>
+              <a:spcBef>
+                <a:spcPts val="500"/>
+              </a:spcBef>
+              <a:buFont typeface="Arial" panose="020B0604020202020204" pitchFamily="34" charset="0"/>
+              <a:buChar char="•"/>
+              <a:defRPr sz="1800" kern="1200">
+                <a:solidFill>
+                  <a:schemeClr val="tx1"/>
+                </a:solidFill>
+                <a:latin typeface="+mn-lt"/>
+                <a:ea typeface="+mn-ea"/>
+                <a:cs typeface="+mn-cs"/>
+              </a:defRPr>
+            </a:lvl5pPr>
+            <a:lvl6pPr marL="2514600" indent="-228600" algn="l" defTabSz="914400" rtl="0" eaLnBrk="1" latinLnBrk="0" hangingPunct="1">
+              <a:lnSpc>
+                <a:spcPct val="90000"/>
+              </a:lnSpc>
+              <a:spcBef>
+                <a:spcPts val="500"/>
+              </a:spcBef>
+              <a:buFont typeface="Arial" panose="020B0604020202020204" pitchFamily="34" charset="0"/>
+              <a:buChar char="•"/>
+              <a:defRPr sz="1800" kern="1200">
+                <a:solidFill>
+                  <a:schemeClr val="tx1"/>
+                </a:solidFill>
+                <a:latin typeface="+mn-lt"/>
+                <a:ea typeface="+mn-ea"/>
+                <a:cs typeface="+mn-cs"/>
+              </a:defRPr>
+            </a:lvl6pPr>
+            <a:lvl7pPr marL="2971800" indent="-228600" algn="l" defTabSz="914400" rtl="0" eaLnBrk="1" latinLnBrk="0" hangingPunct="1">
+              <a:lnSpc>
+                <a:spcPct val="90000"/>
+              </a:lnSpc>
+              <a:spcBef>
+                <a:spcPts val="500"/>
+              </a:spcBef>
+              <a:buFont typeface="Arial" panose="020B0604020202020204" pitchFamily="34" charset="0"/>
+              <a:buChar char="•"/>
+              <a:defRPr sz="1800" kern="1200">
+                <a:solidFill>
+                  <a:schemeClr val="tx1"/>
+                </a:solidFill>
+                <a:latin typeface="+mn-lt"/>
+                <a:ea typeface="+mn-ea"/>
+                <a:cs typeface="+mn-cs"/>
+              </a:defRPr>
+            </a:lvl7pPr>
+            <a:lvl8pPr marL="3429000" indent="-228600" algn="l" defTabSz="914400" rtl="0" eaLnBrk="1" latinLnBrk="0" hangingPunct="1">
+              <a:lnSpc>
+                <a:spcPct val="90000"/>
+              </a:lnSpc>
+              <a:spcBef>
+                <a:spcPts val="500"/>
+              </a:spcBef>
+              <a:buFont typeface="Arial" panose="020B0604020202020204" pitchFamily="34" charset="0"/>
+              <a:buChar char="•"/>
+              <a:defRPr sz="1800" kern="1200">
+                <a:solidFill>
+                  <a:schemeClr val="tx1"/>
+                </a:solidFill>
+                <a:latin typeface="+mn-lt"/>
+                <a:ea typeface="+mn-ea"/>
+                <a:cs typeface="+mn-cs"/>
+              </a:defRPr>
+            </a:lvl8pPr>
+            <a:lvl9pPr marL="3886200" indent="-228600" algn="l" defTabSz="914400" rtl="0" eaLnBrk="1" latinLnBrk="0" hangingPunct="1">
+              <a:lnSpc>
+                <a:spcPct val="90000"/>
+              </a:lnSpc>
+              <a:spcBef>
+                <a:spcPts val="500"/>
+              </a:spcBef>
+              <a:buFont typeface="Arial" panose="020B0604020202020204" pitchFamily="34" charset="0"/>
+              <a:buChar char="•"/>
+              <a:defRPr sz="1800" kern="1200">
+                <a:solidFill>
+                  <a:schemeClr val="tx1"/>
+                </a:solidFill>
+                <a:latin typeface="+mn-lt"/>
+                <a:ea typeface="+mn-ea"/>
+                <a:cs typeface="+mn-cs"/>
+              </a:defRPr>
+            </a:lvl9pPr>
+          </a:lstStyle>
+          <a:p>
+            <a:r>
+              <a:rPr lang="en-US" altLang="zh-CN" sz="2000" dirty="0"/>
+              <a:t>How to combine the TSN standard that does not support time triggering with the TT chain</a:t>
+            </a:r>
+          </a:p>
+          <a:p>
+            <a:r>
+              <a:rPr lang="en-US" altLang="zh-CN" sz="2000" dirty="0"/>
+              <a:t>How to build a model with </a:t>
+            </a:r>
+            <a:r>
+              <a:rPr lang="en-US" altLang="zh-CN" sz="2000" dirty="0" err="1"/>
+              <a:t>QCH+TT+jitter</a:t>
+            </a:r>
+            <a:r>
+              <a:rPr lang="en-US" altLang="zh-CN" sz="2000" dirty="0"/>
+              <a:t>, and whether we can continue the analysis of "zero jitter“</a:t>
+            </a:r>
+          </a:p>
+          <a:p>
+            <a:r>
+              <a:rPr lang="en-US" altLang="zh-CN" sz="2000" dirty="0"/>
+              <a:t>Is the jitter analysis of implicit communication reasonable?</a:t>
+            </a:r>
           </a:p>
         </p:txBody>
       </p:sp>
